--- a/src/test/resources/com/hp/autonomy/frontend/reports/powerpoint/validTemplateWithLogo.pptx
+++ b/src/test/resources/com/hp/autonomy/frontend/reports/powerpoint/validTemplateWithLogo.pptx
@@ -666,13 +666,190 @@
           <c:xMode val="edge"/>
           <c:yMode val="edge"/>
           <c:x val="3.8399524278215226E-2"/>
-          <c:y val="9.4946631671041115E-2"/>
+          <c:y val="0.18198368713190902"/>
           <c:w val="0.92320095144356951"/>
-          <c:h val="0.83649431321084866"/>
+          <c:h val="0.81801631286809096"/>
         </c:manualLayout>
       </c:layout>
-      <c:lineChart>
-        <c:grouping val="standard"/>
+      <c:scatterChart>
+        <c:scatterStyle val="lineMarker"/>
+        <c:varyColors val="0"/>
+        <c:ser>
+          <c:idx val="1"/>
+          <c:order val="1"/>
+          <c:tx>
+            <c:strRef>
+              <c:f>Sheet1!$C$1</c:f>
+              <c:strCache>
+                <c:ptCount val="1"/>
+                <c:pt idx="0">
+                  <c:v>OtherAxis</c:v>
+                </c:pt>
+              </c:strCache>
+            </c:strRef>
+          </c:tx>
+          <c:spPr>
+            <a:ln w="28575" cap="rnd">
+              <a:solidFill>
+                <a:schemeClr val="accent2"/>
+              </a:solidFill>
+              <a:round/>
+            </a:ln>
+            <a:effectLst/>
+          </c:spPr>
+          <c:marker>
+            <c:symbol val="circle"/>
+            <c:size val="5"/>
+            <c:spPr>
+              <a:solidFill>
+                <a:schemeClr val="accent2"/>
+              </a:solidFill>
+              <a:ln w="9525">
+                <a:solidFill>
+                  <a:schemeClr val="accent2"/>
+                </a:solidFill>
+              </a:ln>
+              <a:effectLst/>
+            </c:spPr>
+          </c:marker>
+          <c:xVal>
+            <c:numRef>
+              <c:f>Sheet1!$A$2:$A$19</c:f>
+              <c:numCache>
+                <c:formatCode>m/d/yyyy</c:formatCode>
+                <c:ptCount val="18"/>
+                <c:pt idx="0">
+                  <c:v>41033.38013888889</c:v>
+                </c:pt>
+                <c:pt idx="1">
+                  <c:v>41110.118217592593</c:v>
+                </c:pt>
+                <c:pt idx="2">
+                  <c:v>41186.856296296297</c:v>
+                </c:pt>
+                <c:pt idx="3">
+                  <c:v>41263.552708333336</c:v>
+                </c:pt>
+                <c:pt idx="4">
+                  <c:v>41340.29078703704</c:v>
+                </c:pt>
+                <c:pt idx="5">
+                  <c:v>41417.070543981485</c:v>
+                </c:pt>
+                <c:pt idx="6">
+                  <c:v>41493.808622685188</c:v>
+                </c:pt>
+                <c:pt idx="7">
+                  <c:v>41570.546701388892</c:v>
+                </c:pt>
+                <c:pt idx="8">
+                  <c:v>41647.243113425924</c:v>
+                </c:pt>
+                <c:pt idx="9">
+                  <c:v>41723.981192129628</c:v>
+                </c:pt>
+                <c:pt idx="10">
+                  <c:v>41800.760937500003</c:v>
+                </c:pt>
+                <c:pt idx="11">
+                  <c:v>41877.499016203707</c:v>
+                </c:pt>
+                <c:pt idx="12">
+                  <c:v>41954.195428240739</c:v>
+                </c:pt>
+                <c:pt idx="13">
+                  <c:v>42030.933506944442</c:v>
+                </c:pt>
+                <c:pt idx="14">
+                  <c:v>42107.713252314818</c:v>
+                </c:pt>
+                <c:pt idx="15">
+                  <c:v>42184.451331018521</c:v>
+                </c:pt>
+                <c:pt idx="16">
+                  <c:v>42261.189421296294</c:v>
+                </c:pt>
+                <c:pt idx="17">
+                  <c:v>42337.885833333334</c:v>
+                </c:pt>
+              </c:numCache>
+            </c:numRef>
+          </c:xVal>
+          <c:yVal>
+            <c:numRef>
+              <c:f>Sheet1!$C$2:$C$19</c:f>
+              <c:numCache>
+                <c:formatCode>General</c:formatCode>
+                <c:ptCount val="18"/>
+                <c:pt idx="0">
+                  <c:v>2442</c:v>
+                </c:pt>
+                <c:pt idx="2">
+                  <c:v>6677</c:v>
+                </c:pt>
+                <c:pt idx="3">
+                  <c:v>2000</c:v>
+                </c:pt>
+                <c:pt idx="4">
+                  <c:v>400</c:v>
+                </c:pt>
+                <c:pt idx="5">
+                  <c:v>6</c:v>
+                </c:pt>
+                <c:pt idx="6">
+                  <c:v>1</c:v>
+                </c:pt>
+                <c:pt idx="7">
+                  <c:v>2</c:v>
+                </c:pt>
+                <c:pt idx="8">
+                  <c:v>3</c:v>
+                </c:pt>
+                <c:pt idx="9">
+                  <c:v>4</c:v>
+                </c:pt>
+                <c:pt idx="10">
+                  <c:v>5</c:v>
+                </c:pt>
+                <c:pt idx="11">
+                  <c:v>6</c:v>
+                </c:pt>
+                <c:pt idx="12">
+                  <c:v>5</c:v>
+                </c:pt>
+                <c:pt idx="13">
+                  <c:v>3</c:v>
+                </c:pt>
+                <c:pt idx="14">
+                  <c:v>7</c:v>
+                </c:pt>
+                <c:pt idx="15">
+                  <c:v>8</c:v>
+                </c:pt>
+                <c:pt idx="16">
+                  <c:v>5</c:v>
+                </c:pt>
+                <c:pt idx="17">
+                  <c:v>9</c:v>
+                </c:pt>
+              </c:numCache>
+            </c:numRef>
+          </c:yVal>
+          <c:smooth val="0"/>
+        </c:ser>
+        <c:dLbls>
+          <c:showLegendKey val="0"/>
+          <c:showVal val="0"/>
+          <c:showCatName val="0"/>
+          <c:showSerName val="0"/>
+          <c:showPercent val="0"/>
+          <c:showBubbleSize val="0"/>
+        </c:dLbls>
+        <c:axId val="463856744"/>
+        <c:axId val="362194048"/>
+      </c:scatterChart>
+      <c:scatterChart>
+        <c:scatterStyle val="lineMarker"/>
         <c:varyColors val="0"/>
         <c:ser>
           <c:idx val="0"/>
@@ -698,12 +875,36 @@
             <a:effectLst/>
           </c:spPr>
           <c:marker>
-            <c:symbol val="none"/>
+            <c:symbol val="circle"/>
+            <c:size val="5"/>
+            <c:spPr>
+              <a:solidFill>
+                <a:schemeClr val="accent1"/>
+              </a:solidFill>
+              <a:ln w="9525">
+                <a:solidFill>
+                  <a:schemeClr val="accent1"/>
+                </a:solidFill>
+              </a:ln>
+              <a:effectLst/>
+            </c:spPr>
           </c:marker>
           <c:dPt>
             <c:idx val="0"/>
             <c:marker>
-              <c:symbol val="none"/>
+              <c:symbol val="circle"/>
+              <c:size val="5"/>
+              <c:spPr>
+                <a:solidFill>
+                  <a:schemeClr val="accent1"/>
+                </a:solidFill>
+                <a:ln w="9525">
+                  <a:solidFill>
+                    <a:schemeClr val="accent1"/>
+                  </a:solidFill>
+                </a:ln>
+                <a:effectLst/>
+              </c:spPr>
             </c:marker>
             <c:bubble3D val="0"/>
             <c:spPr>
@@ -719,7 +920,19 @@
           <c:dPt>
             <c:idx val="1"/>
             <c:marker>
-              <c:symbol val="none"/>
+              <c:symbol val="circle"/>
+              <c:size val="5"/>
+              <c:spPr>
+                <a:solidFill>
+                  <a:schemeClr val="accent1"/>
+                </a:solidFill>
+                <a:ln w="9525">
+                  <a:solidFill>
+                    <a:schemeClr val="accent1"/>
+                  </a:solidFill>
+                </a:ln>
+                <a:effectLst/>
+              </c:spPr>
             </c:marker>
             <c:bubble3D val="0"/>
             <c:spPr>
@@ -735,7 +948,19 @@
           <c:dPt>
             <c:idx val="2"/>
             <c:marker>
-              <c:symbol val="none"/>
+              <c:symbol val="circle"/>
+              <c:size val="5"/>
+              <c:spPr>
+                <a:solidFill>
+                  <a:schemeClr val="accent1"/>
+                </a:solidFill>
+                <a:ln w="9525">
+                  <a:solidFill>
+                    <a:schemeClr val="accent1"/>
+                  </a:solidFill>
+                </a:ln>
+                <a:effectLst/>
+              </c:spPr>
             </c:marker>
             <c:bubble3D val="0"/>
             <c:spPr>
@@ -751,7 +976,19 @@
           <c:dPt>
             <c:idx val="3"/>
             <c:marker>
-              <c:symbol val="none"/>
+              <c:symbol val="circle"/>
+              <c:size val="5"/>
+              <c:spPr>
+                <a:solidFill>
+                  <a:schemeClr val="accent1"/>
+                </a:solidFill>
+                <a:ln w="9525">
+                  <a:solidFill>
+                    <a:schemeClr val="accent1"/>
+                  </a:solidFill>
+                </a:ln>
+                <a:effectLst/>
+              </c:spPr>
             </c:marker>
             <c:bubble3D val="0"/>
             <c:spPr>
@@ -767,7 +1004,19 @@
           <c:dPt>
             <c:idx val="4"/>
             <c:marker>
-              <c:symbol val="none"/>
+              <c:symbol val="circle"/>
+              <c:size val="5"/>
+              <c:spPr>
+                <a:solidFill>
+                  <a:schemeClr val="accent1"/>
+                </a:solidFill>
+                <a:ln w="9525">
+                  <a:solidFill>
+                    <a:schemeClr val="accent1"/>
+                  </a:solidFill>
+                </a:ln>
+                <a:effectLst/>
+              </c:spPr>
             </c:marker>
             <c:bubble3D val="0"/>
             <c:spPr>
@@ -783,7 +1032,19 @@
           <c:dPt>
             <c:idx val="5"/>
             <c:marker>
-              <c:symbol val="none"/>
+              <c:symbol val="circle"/>
+              <c:size val="5"/>
+              <c:spPr>
+                <a:solidFill>
+                  <a:schemeClr val="accent1"/>
+                </a:solidFill>
+                <a:ln w="9525">
+                  <a:solidFill>
+                    <a:schemeClr val="accent1"/>
+                  </a:solidFill>
+                </a:ln>
+                <a:effectLst/>
+              </c:spPr>
             </c:marker>
             <c:bubble3D val="0"/>
             <c:spPr>
@@ -799,7 +1060,19 @@
           <c:dPt>
             <c:idx val="6"/>
             <c:marker>
-              <c:symbol val="none"/>
+              <c:symbol val="circle"/>
+              <c:size val="5"/>
+              <c:spPr>
+                <a:solidFill>
+                  <a:schemeClr val="accent1"/>
+                </a:solidFill>
+                <a:ln w="9525">
+                  <a:solidFill>
+                    <a:schemeClr val="accent1"/>
+                  </a:solidFill>
+                </a:ln>
+                <a:effectLst/>
+              </c:spPr>
             </c:marker>
             <c:bubble3D val="0"/>
             <c:spPr>
@@ -815,7 +1088,19 @@
           <c:dPt>
             <c:idx val="7"/>
             <c:marker>
-              <c:symbol val="none"/>
+              <c:symbol val="circle"/>
+              <c:size val="5"/>
+              <c:spPr>
+                <a:solidFill>
+                  <a:schemeClr val="accent1"/>
+                </a:solidFill>
+                <a:ln w="9525">
+                  <a:solidFill>
+                    <a:schemeClr val="accent1"/>
+                  </a:solidFill>
+                </a:ln>
+                <a:effectLst/>
+              </c:spPr>
             </c:marker>
             <c:bubble3D val="0"/>
             <c:spPr>
@@ -831,7 +1116,19 @@
           <c:dPt>
             <c:idx val="8"/>
             <c:marker>
-              <c:symbol val="none"/>
+              <c:symbol val="circle"/>
+              <c:size val="5"/>
+              <c:spPr>
+                <a:solidFill>
+                  <a:schemeClr val="accent1"/>
+                </a:solidFill>
+                <a:ln w="9525">
+                  <a:solidFill>
+                    <a:schemeClr val="accent1"/>
+                  </a:solidFill>
+                </a:ln>
+                <a:effectLst/>
+              </c:spPr>
             </c:marker>
             <c:bubble3D val="0"/>
             <c:spPr>
@@ -847,7 +1144,19 @@
           <c:dPt>
             <c:idx val="9"/>
             <c:marker>
-              <c:symbol val="none"/>
+              <c:symbol val="circle"/>
+              <c:size val="5"/>
+              <c:spPr>
+                <a:solidFill>
+                  <a:schemeClr val="accent1"/>
+                </a:solidFill>
+                <a:ln w="9525">
+                  <a:solidFill>
+                    <a:schemeClr val="accent1"/>
+                  </a:solidFill>
+                </a:ln>
+                <a:effectLst/>
+              </c:spPr>
             </c:marker>
             <c:bubble3D val="0"/>
             <c:spPr>
@@ -863,7 +1172,19 @@
           <c:dPt>
             <c:idx val="10"/>
             <c:marker>
-              <c:symbol val="none"/>
+              <c:symbol val="circle"/>
+              <c:size val="5"/>
+              <c:spPr>
+                <a:solidFill>
+                  <a:schemeClr val="accent1"/>
+                </a:solidFill>
+                <a:ln w="9525">
+                  <a:solidFill>
+                    <a:schemeClr val="accent1"/>
+                  </a:solidFill>
+                </a:ln>
+                <a:effectLst/>
+              </c:spPr>
             </c:marker>
             <c:bubble3D val="0"/>
             <c:spPr>
@@ -879,7 +1200,19 @@
           <c:dPt>
             <c:idx val="11"/>
             <c:marker>
-              <c:symbol val="none"/>
+              <c:symbol val="circle"/>
+              <c:size val="5"/>
+              <c:spPr>
+                <a:solidFill>
+                  <a:schemeClr val="accent1"/>
+                </a:solidFill>
+                <a:ln w="9525">
+                  <a:solidFill>
+                    <a:schemeClr val="accent1"/>
+                  </a:solidFill>
+                </a:ln>
+                <a:effectLst/>
+              </c:spPr>
             </c:marker>
             <c:bubble3D val="0"/>
             <c:spPr>
@@ -895,7 +1228,19 @@
           <c:dPt>
             <c:idx val="12"/>
             <c:marker>
-              <c:symbol val="none"/>
+              <c:symbol val="circle"/>
+              <c:size val="5"/>
+              <c:spPr>
+                <a:solidFill>
+                  <a:schemeClr val="accent1"/>
+                </a:solidFill>
+                <a:ln w="9525">
+                  <a:solidFill>
+                    <a:schemeClr val="accent1"/>
+                  </a:solidFill>
+                </a:ln>
+                <a:effectLst/>
+              </c:spPr>
             </c:marker>
             <c:bubble3D val="0"/>
             <c:spPr>
@@ -911,7 +1256,19 @@
           <c:dPt>
             <c:idx val="13"/>
             <c:marker>
-              <c:symbol val="none"/>
+              <c:symbol val="circle"/>
+              <c:size val="5"/>
+              <c:spPr>
+                <a:solidFill>
+                  <a:schemeClr val="accent1"/>
+                </a:solidFill>
+                <a:ln w="9525">
+                  <a:solidFill>
+                    <a:schemeClr val="accent1"/>
+                  </a:solidFill>
+                </a:ln>
+                <a:effectLst/>
+              </c:spPr>
             </c:marker>
             <c:bubble3D val="0"/>
             <c:spPr>
@@ -927,7 +1284,19 @@
           <c:dPt>
             <c:idx val="14"/>
             <c:marker>
-              <c:symbol val="none"/>
+              <c:symbol val="circle"/>
+              <c:size val="5"/>
+              <c:spPr>
+                <a:solidFill>
+                  <a:schemeClr val="accent1"/>
+                </a:solidFill>
+                <a:ln w="9525">
+                  <a:solidFill>
+                    <a:schemeClr val="accent1"/>
+                  </a:solidFill>
+                </a:ln>
+                <a:effectLst/>
+              </c:spPr>
             </c:marker>
             <c:bubble3D val="0"/>
             <c:spPr>
@@ -943,7 +1312,19 @@
           <c:dPt>
             <c:idx val="15"/>
             <c:marker>
-              <c:symbol val="none"/>
+              <c:symbol val="circle"/>
+              <c:size val="5"/>
+              <c:spPr>
+                <a:solidFill>
+                  <a:schemeClr val="accent1"/>
+                </a:solidFill>
+                <a:ln w="9525">
+                  <a:solidFill>
+                    <a:schemeClr val="accent1"/>
+                  </a:solidFill>
+                </a:ln>
+                <a:effectLst/>
+              </c:spPr>
             </c:marker>
             <c:bubble3D val="0"/>
             <c:spPr>
@@ -956,7 +1337,7 @@
               <a:effectLst/>
             </c:spPr>
           </c:dPt>
-          <c:cat>
+          <c:xVal>
             <c:numRef>
               <c:f>Sheet1!$A$2:$A$19</c:f>
               <c:numCache>
@@ -1018,8 +1399,8 @@
                 </c:pt>
               </c:numCache>
             </c:numRef>
-          </c:cat>
-          <c:val>
+          </c:xVal>
+          <c:yVal>
             <c:numRef>
               <c:f>Sheet1!$B$2:$B$19</c:f>
               <c:numCache>
@@ -1081,7 +1462,7 @@
                 </c:pt>
               </c:numCache>
             </c:numRef>
-          </c:val>
+          </c:yVal>
           <c:smooth val="0"/>
         </c:ser>
         <c:dLbls>
@@ -1092,180 +1473,11 @@
           <c:showPercent val="0"/>
           <c:showBubbleSize val="0"/>
         </c:dLbls>
-        <c:marker val="1"/>
-        <c:smooth val="0"/>
-        <c:axId val="212673688"/>
-        <c:axId val="212674472"/>
-      </c:lineChart>
-      <c:lineChart>
-        <c:grouping val="standard"/>
-        <c:varyColors val="0"/>
-        <c:ser>
-          <c:idx val="1"/>
-          <c:order val="1"/>
-          <c:tx>
-            <c:strRef>
-              <c:f>Sheet1!$C$1</c:f>
-              <c:strCache>
-                <c:ptCount val="1"/>
-                <c:pt idx="0">
-                  <c:v>OtherAxis</c:v>
-                </c:pt>
-              </c:strCache>
-            </c:strRef>
-          </c:tx>
-          <c:spPr>
-            <a:ln w="28575" cap="rnd">
-              <a:solidFill>
-                <a:schemeClr val="accent2"/>
-              </a:solidFill>
-              <a:round/>
-            </a:ln>
-            <a:effectLst/>
-          </c:spPr>
-          <c:marker>
-            <c:symbol val="none"/>
-          </c:marker>
-          <c:cat>
-            <c:numRef>
-              <c:f>Sheet1!$A$2:$A$19</c:f>
-              <c:numCache>
-                <c:formatCode>m/d/yyyy</c:formatCode>
-                <c:ptCount val="18"/>
-                <c:pt idx="0">
-                  <c:v>41033.38013888889</c:v>
-                </c:pt>
-                <c:pt idx="1">
-                  <c:v>41110.118217592593</c:v>
-                </c:pt>
-                <c:pt idx="2">
-                  <c:v>41186.856296296297</c:v>
-                </c:pt>
-                <c:pt idx="3">
-                  <c:v>41263.552708333336</c:v>
-                </c:pt>
-                <c:pt idx="4">
-                  <c:v>41340.29078703704</c:v>
-                </c:pt>
-                <c:pt idx="5">
-                  <c:v>41417.070543981485</c:v>
-                </c:pt>
-                <c:pt idx="6">
-                  <c:v>41493.808622685188</c:v>
-                </c:pt>
-                <c:pt idx="7">
-                  <c:v>41570.546701388892</c:v>
-                </c:pt>
-                <c:pt idx="8">
-                  <c:v>41647.243113425924</c:v>
-                </c:pt>
-                <c:pt idx="9">
-                  <c:v>41723.981192129628</c:v>
-                </c:pt>
-                <c:pt idx="10">
-                  <c:v>41800.760937500003</c:v>
-                </c:pt>
-                <c:pt idx="11">
-                  <c:v>41877.499016203707</c:v>
-                </c:pt>
-                <c:pt idx="12">
-                  <c:v>41954.195428240739</c:v>
-                </c:pt>
-                <c:pt idx="13">
-                  <c:v>42030.933506944442</c:v>
-                </c:pt>
-                <c:pt idx="14">
-                  <c:v>42107.713252314818</c:v>
-                </c:pt>
-                <c:pt idx="15">
-                  <c:v>42184.451331018521</c:v>
-                </c:pt>
-                <c:pt idx="16">
-                  <c:v>42261.189421296294</c:v>
-                </c:pt>
-                <c:pt idx="17">
-                  <c:v>42337.885833333334</c:v>
-                </c:pt>
-              </c:numCache>
-            </c:numRef>
-          </c:cat>
-          <c:val>
-            <c:numRef>
-              <c:f>Sheet1!$C$2:$C$19</c:f>
-              <c:numCache>
-                <c:formatCode>General</c:formatCode>
-                <c:ptCount val="18"/>
-                <c:pt idx="0">
-                  <c:v>2442</c:v>
-                </c:pt>
-                <c:pt idx="2">
-                  <c:v>6677</c:v>
-                </c:pt>
-                <c:pt idx="3">
-                  <c:v>2000</c:v>
-                </c:pt>
-                <c:pt idx="4">
-                  <c:v>400</c:v>
-                </c:pt>
-                <c:pt idx="5">
-                  <c:v>6</c:v>
-                </c:pt>
-                <c:pt idx="6">
-                  <c:v>1</c:v>
-                </c:pt>
-                <c:pt idx="7">
-                  <c:v>2</c:v>
-                </c:pt>
-                <c:pt idx="8">
-                  <c:v>3</c:v>
-                </c:pt>
-                <c:pt idx="9">
-                  <c:v>4</c:v>
-                </c:pt>
-                <c:pt idx="10">
-                  <c:v>5</c:v>
-                </c:pt>
-                <c:pt idx="11">
-                  <c:v>6</c:v>
-                </c:pt>
-                <c:pt idx="12">
-                  <c:v>5</c:v>
-                </c:pt>
-                <c:pt idx="13">
-                  <c:v>3</c:v>
-                </c:pt>
-                <c:pt idx="14">
-                  <c:v>7</c:v>
-                </c:pt>
-                <c:pt idx="15">
-                  <c:v>8</c:v>
-                </c:pt>
-                <c:pt idx="16">
-                  <c:v>5</c:v>
-                </c:pt>
-                <c:pt idx="17">
-                  <c:v>9</c:v>
-                </c:pt>
-              </c:numCache>
-            </c:numRef>
-          </c:val>
-          <c:smooth val="0"/>
-        </c:ser>
-        <c:dLbls>
-          <c:showLegendKey val="0"/>
-          <c:showVal val="0"/>
-          <c:showCatName val="0"/>
-          <c:showSerName val="0"/>
-          <c:showPercent val="0"/>
-          <c:showBubbleSize val="0"/>
-        </c:dLbls>
-        <c:marker val="1"/>
-        <c:smooth val="0"/>
-        <c:axId val="212675256"/>
-        <c:axId val="212676432"/>
-      </c:lineChart>
-      <c:dateAx>
-        <c:axId val="212673688"/>
+        <c:axId val="532448480"/>
+        <c:axId val="364005824"/>
+      </c:scatterChart>
+      <c:valAx>
+        <c:axId val="463856744"/>
         <c:scaling>
           <c:orientation val="minMax"/>
         </c:scaling>
@@ -1308,14 +1520,12 @@
             <a:endParaRPr lang="en-US"/>
           </a:p>
         </c:txPr>
-        <c:crossAx val="212674472"/>
+        <c:crossAx val="362194048"/>
         <c:crosses val="autoZero"/>
-        <c:auto val="0"/>
-        <c:lblOffset val="100"/>
-        <c:baseTimeUnit val="days"/>
-      </c:dateAx>
+        <c:crossBetween val="midCat"/>
+      </c:valAx>
       <c:valAx>
-        <c:axId val="212674472"/>
+        <c:axId val="362194048"/>
         <c:scaling>
           <c:orientation val="minMax"/>
         </c:scaling>
@@ -1366,12 +1576,12 @@
             <a:endParaRPr lang="en-US"/>
           </a:p>
         </c:txPr>
-        <c:crossAx val="212673688"/>
+        <c:crossAx val="463856744"/>
         <c:crosses val="autoZero"/>
-        <c:crossBetween val="between"/>
+        <c:crossBetween val="midCat"/>
       </c:valAx>
       <c:valAx>
-        <c:axId val="212676432"/>
+        <c:axId val="364005824"/>
         <c:scaling>
           <c:orientation val="minMax"/>
         </c:scaling>
@@ -1408,12 +1618,12 @@
             <a:endParaRPr lang="en-US"/>
           </a:p>
         </c:txPr>
-        <c:crossAx val="212675256"/>
+        <c:crossAx val="532448480"/>
         <c:crosses val="max"/>
-        <c:crossBetween val="between"/>
+        <c:crossBetween val="midCat"/>
       </c:valAx>
-      <c:dateAx>
-        <c:axId val="212675256"/>
+      <c:valAx>
+        <c:axId val="532448480"/>
         <c:scaling>
           <c:orientation val="minMax"/>
         </c:scaling>
@@ -1423,14 +1633,9 @@
         <c:majorTickMark val="out"/>
         <c:minorTickMark val="none"/>
         <c:tickLblPos val="nextTo"/>
-        <c:crossAx val="212676432"/>
-        <c:crosses val="autoZero"/>
-        <c:auto val="1"/>
-        <c:lblOffset val="100"/>
-        <c:baseTimeUnit val="months"/>
-        <c:majorUnit val="1"/>
-        <c:minorUnit val="1"/>
-      </c:dateAx>
+        <c:crossAx val="364005824"/>
+        <c:crossBetween val="midCat"/>
+      </c:valAx>
       <c:spPr>
         <a:noFill/>
         <a:ln>
@@ -2747,7 +2952,7 @@
           <a:p>
             <a:fld id="{883BD084-2C06-41D0-A826-B3CA4EDA1986}" type="datetimeFigureOut">
               <a:rPr lang="en-GB" smtClean="0"/>
-              <a:t>16/02/2017</a:t>
+              <a:t>19/04/2017</a:t>
             </a:fld>
             <a:endParaRPr lang="en-GB"/>
           </a:p>
@@ -2805,13 +3010,6 @@
   <p:clrMapOvr>
     <a:masterClrMapping/>
   </p:clrMapOvr>
-  <p:timing>
-    <p:tnLst>
-      <p:par>
-        <p:cTn id="1" dur="indefinite" restart="never" nodeType="tmRoot"/>
-      </p:par>
-    </p:tnLst>
-  </p:timing>
 </p:sldLayout>
 </file>
 
@@ -2924,7 +3122,7 @@
           <a:p>
             <a:fld id="{883BD084-2C06-41D0-A826-B3CA4EDA1986}" type="datetimeFigureOut">
               <a:rPr lang="en-GB" smtClean="0"/>
-              <a:t>16/02/2017</a:t>
+              <a:t>19/04/2017</a:t>
             </a:fld>
             <a:endParaRPr lang="en-GB"/>
           </a:p>
@@ -3104,7 +3302,7 @@
           <a:p>
             <a:fld id="{883BD084-2C06-41D0-A826-B3CA4EDA1986}" type="datetimeFigureOut">
               <a:rPr lang="en-GB" smtClean="0"/>
-              <a:t>16/02/2017</a:t>
+              <a:t>19/04/2017</a:t>
             </a:fld>
             <a:endParaRPr lang="en-GB"/>
           </a:p>
@@ -3274,7 +3472,7 @@
           <a:p>
             <a:fld id="{883BD084-2C06-41D0-A826-B3CA4EDA1986}" type="datetimeFigureOut">
               <a:rPr lang="en-GB" smtClean="0"/>
-              <a:t>16/02/2017</a:t>
+              <a:t>19/04/2017</a:t>
             </a:fld>
             <a:endParaRPr lang="en-GB"/>
           </a:p>
@@ -3520,7 +3718,7 @@
           <a:p>
             <a:fld id="{883BD084-2C06-41D0-A826-B3CA4EDA1986}" type="datetimeFigureOut">
               <a:rPr lang="en-GB" smtClean="0"/>
-              <a:t>16/02/2017</a:t>
+              <a:t>19/04/2017</a:t>
             </a:fld>
             <a:endParaRPr lang="en-GB"/>
           </a:p>
@@ -3752,7 +3950,7 @@
           <a:p>
             <a:fld id="{883BD084-2C06-41D0-A826-B3CA4EDA1986}" type="datetimeFigureOut">
               <a:rPr lang="en-GB" smtClean="0"/>
-              <a:t>16/02/2017</a:t>
+              <a:t>19/04/2017</a:t>
             </a:fld>
             <a:endParaRPr lang="en-GB"/>
           </a:p>
@@ -3810,13 +4008,6 @@
   <p:clrMapOvr>
     <a:masterClrMapping/>
   </p:clrMapOvr>
-  <p:timing>
-    <p:tnLst>
-      <p:par>
-        <p:cTn id="1" dur="indefinite" restart="never" nodeType="tmRoot"/>
-      </p:par>
-    </p:tnLst>
-  </p:timing>
 </p:sldLayout>
 </file>
 
@@ -4126,7 +4317,7 @@
           <a:p>
             <a:fld id="{883BD084-2C06-41D0-A826-B3CA4EDA1986}" type="datetimeFigureOut">
               <a:rPr lang="en-GB" smtClean="0"/>
-              <a:t>16/02/2017</a:t>
+              <a:t>19/04/2017</a:t>
             </a:fld>
             <a:endParaRPr lang="en-GB"/>
           </a:p>
@@ -4244,7 +4435,7 @@
           <a:p>
             <a:fld id="{883BD084-2C06-41D0-A826-B3CA4EDA1986}" type="datetimeFigureOut">
               <a:rPr lang="en-GB" smtClean="0"/>
-              <a:t>16/02/2017</a:t>
+              <a:t>19/04/2017</a:t>
             </a:fld>
             <a:endParaRPr lang="en-GB"/>
           </a:p>
@@ -4339,7 +4530,7 @@
           <a:p>
             <a:fld id="{883BD084-2C06-41D0-A826-B3CA4EDA1986}" type="datetimeFigureOut">
               <a:rPr lang="en-GB" smtClean="0"/>
-              <a:t>16/02/2017</a:t>
+              <a:t>19/04/2017</a:t>
             </a:fld>
             <a:endParaRPr lang="en-GB"/>
           </a:p>
@@ -4387,795 +4578,9 @@
           </a:p>
         </p:txBody>
       </p:sp>
-    </p:spTree>
-    <p:extLst>
-      <p:ext uri="{BB962C8B-B14F-4D97-AF65-F5344CB8AC3E}">
-        <p14:creationId xmlns:p14="http://schemas.microsoft.com/office/powerpoint/2010/main" val="375367744"/>
-      </p:ext>
-    </p:extLst>
-  </p:cSld>
-  <p:clrMapOvr>
-    <a:masterClrMapping/>
-  </p:clrMapOvr>
-  <p:timing>
-    <p:tnLst>
-      <p:par>
-        <p:cTn id="1" dur="indefinite" restart="never" nodeType="tmRoot"/>
-      </p:par>
-    </p:tnLst>
-  </p:timing>
-</p:sldLayout>
-</file>
-
-<file path=ppt/slideLayouts/slideLayout8.xml><?xml version="1.0" encoding="utf-8"?>
-<p:sldLayout xmlns:a="http://schemas.openxmlformats.org/drawingml/2006/main" xmlns:r="http://schemas.openxmlformats.org/officeDocument/2006/relationships" xmlns:p="http://schemas.openxmlformats.org/presentationml/2006/main" type="objTx" preserve="1">
-  <p:cSld name="Content with Caption">
-    <p:spTree>
-      <p:nvGrpSpPr>
-        <p:cNvPr id="1" name=""/>
-        <p:cNvGrpSpPr/>
-        <p:nvPr/>
-      </p:nvGrpSpPr>
-      <p:grpSpPr>
-        <a:xfrm>
-          <a:off x="0" y="0"/>
-          <a:ext cx="0" cy="0"/>
-          <a:chOff x="0" y="0"/>
-          <a:chExt cx="0" cy="0"/>
-        </a:xfrm>
-      </p:grpSpPr>
-      <p:sp>
-        <p:nvSpPr>
-          <p:cNvPr id="2" name="Title 1"/>
-          <p:cNvSpPr>
-            <a:spLocks noGrp="1"/>
-          </p:cNvSpPr>
-          <p:nvPr>
-            <p:ph type="title"/>
-          </p:nvPr>
-        </p:nvSpPr>
-        <p:spPr>
-          <a:xfrm>
-            <a:off x="839788" y="457200"/>
-            <a:ext cx="3932237" cy="1600200"/>
-          </a:xfrm>
-        </p:spPr>
-        <p:txBody>
-          <a:bodyPr anchor="b"/>
-          <a:lstStyle>
-            <a:lvl1pPr>
-              <a:defRPr sz="3200"/>
-            </a:lvl1pPr>
-          </a:lstStyle>
-          <a:p>
-            <a:r>
-              <a:rPr lang="en-US" smtClean="0"/>
-              <a:t>Click to edit Master title style</a:t>
-            </a:r>
-            <a:endParaRPr lang="en-GB"/>
-          </a:p>
-        </p:txBody>
-      </p:sp>
-      <p:sp>
-        <p:nvSpPr>
-          <p:cNvPr id="3" name="Content Placeholder 2"/>
-          <p:cNvSpPr>
-            <a:spLocks noGrp="1"/>
-          </p:cNvSpPr>
-          <p:nvPr>
-            <p:ph idx="1"/>
-          </p:nvPr>
-        </p:nvSpPr>
-        <p:spPr>
-          <a:xfrm>
-            <a:off x="5183188" y="987425"/>
-            <a:ext cx="6172200" cy="4873625"/>
-          </a:xfrm>
-        </p:spPr>
-        <p:txBody>
-          <a:bodyPr/>
-          <a:lstStyle>
-            <a:lvl1pPr>
-              <a:defRPr sz="3200"/>
-            </a:lvl1pPr>
-            <a:lvl2pPr>
-              <a:defRPr sz="2800"/>
-            </a:lvl2pPr>
-            <a:lvl3pPr>
-              <a:defRPr sz="2400"/>
-            </a:lvl3pPr>
-            <a:lvl4pPr>
-              <a:defRPr sz="2000"/>
-            </a:lvl4pPr>
-            <a:lvl5pPr>
-              <a:defRPr sz="2000"/>
-            </a:lvl5pPr>
-            <a:lvl6pPr>
-              <a:defRPr sz="2000"/>
-            </a:lvl6pPr>
-            <a:lvl7pPr>
-              <a:defRPr sz="2000"/>
-            </a:lvl7pPr>
-            <a:lvl8pPr>
-              <a:defRPr sz="2000"/>
-            </a:lvl8pPr>
-            <a:lvl9pPr>
-              <a:defRPr sz="2000"/>
-            </a:lvl9pPr>
-          </a:lstStyle>
-          <a:p>
-            <a:pPr lvl="0"/>
-            <a:r>
-              <a:rPr lang="en-US" smtClean="0"/>
-              <a:t>Click to edit Master text styles</a:t>
-            </a:r>
-          </a:p>
-          <a:p>
-            <a:pPr lvl="1"/>
-            <a:r>
-              <a:rPr lang="en-US" smtClean="0"/>
-              <a:t>Second level</a:t>
-            </a:r>
-          </a:p>
-          <a:p>
-            <a:pPr lvl="2"/>
-            <a:r>
-              <a:rPr lang="en-US" smtClean="0"/>
-              <a:t>Third level</a:t>
-            </a:r>
-          </a:p>
-          <a:p>
-            <a:pPr lvl="3"/>
-            <a:r>
-              <a:rPr lang="en-US" smtClean="0"/>
-              <a:t>Fourth level</a:t>
-            </a:r>
-          </a:p>
-          <a:p>
-            <a:pPr lvl="4"/>
-            <a:r>
-              <a:rPr lang="en-US" smtClean="0"/>
-              <a:t>Fifth level</a:t>
-            </a:r>
-            <a:endParaRPr lang="en-GB"/>
-          </a:p>
-        </p:txBody>
-      </p:sp>
-      <p:sp>
-        <p:nvSpPr>
-          <p:cNvPr id="4" name="Text Placeholder 3"/>
-          <p:cNvSpPr>
-            <a:spLocks noGrp="1"/>
-          </p:cNvSpPr>
-          <p:nvPr>
-            <p:ph type="body" sz="half" idx="2"/>
-          </p:nvPr>
-        </p:nvSpPr>
-        <p:spPr>
-          <a:xfrm>
-            <a:off x="839788" y="2057400"/>
-            <a:ext cx="3932237" cy="3811588"/>
-          </a:xfrm>
-        </p:spPr>
-        <p:txBody>
-          <a:bodyPr/>
-          <a:lstStyle>
-            <a:lvl1pPr marL="0" indent="0">
-              <a:buNone/>
-              <a:defRPr sz="1600"/>
-            </a:lvl1pPr>
-            <a:lvl2pPr marL="457200" indent="0">
-              <a:buNone/>
-              <a:defRPr sz="1400"/>
-            </a:lvl2pPr>
-            <a:lvl3pPr marL="914400" indent="0">
-              <a:buNone/>
-              <a:defRPr sz="1200"/>
-            </a:lvl3pPr>
-            <a:lvl4pPr marL="1371600" indent="0">
-              <a:buNone/>
-              <a:defRPr sz="1000"/>
-            </a:lvl4pPr>
-            <a:lvl5pPr marL="1828800" indent="0">
-              <a:buNone/>
-              <a:defRPr sz="1000"/>
-            </a:lvl5pPr>
-            <a:lvl6pPr marL="2286000" indent="0">
-              <a:buNone/>
-              <a:defRPr sz="1000"/>
-            </a:lvl6pPr>
-            <a:lvl7pPr marL="2743200" indent="0">
-              <a:buNone/>
-              <a:defRPr sz="1000"/>
-            </a:lvl7pPr>
-            <a:lvl8pPr marL="3200400" indent="0">
-              <a:buNone/>
-              <a:defRPr sz="1000"/>
-            </a:lvl8pPr>
-            <a:lvl9pPr marL="3657600" indent="0">
-              <a:buNone/>
-              <a:defRPr sz="1000"/>
-            </a:lvl9pPr>
-          </a:lstStyle>
-          <a:p>
-            <a:pPr lvl="0"/>
-            <a:r>
-              <a:rPr lang="en-US" smtClean="0"/>
-              <a:t>Click to edit Master text styles</a:t>
-            </a:r>
-          </a:p>
-        </p:txBody>
-      </p:sp>
-      <p:sp>
-        <p:nvSpPr>
-          <p:cNvPr id="5" name="Date Placeholder 4"/>
-          <p:cNvSpPr>
-            <a:spLocks noGrp="1"/>
-          </p:cNvSpPr>
-          <p:nvPr>
-            <p:ph type="dt" sz="half" idx="10"/>
-          </p:nvPr>
-        </p:nvSpPr>
-        <p:spPr/>
-        <p:txBody>
-          <a:bodyPr/>
-          <a:lstStyle/>
-          <a:p>
-            <a:fld id="{883BD084-2C06-41D0-A826-B3CA4EDA1986}" type="datetimeFigureOut">
-              <a:rPr lang="en-GB" smtClean="0"/>
-              <a:t>16/02/2017</a:t>
-            </a:fld>
-            <a:endParaRPr lang="en-GB"/>
-          </a:p>
-        </p:txBody>
-      </p:sp>
-      <p:sp>
-        <p:nvSpPr>
-          <p:cNvPr id="6" name="Footer Placeholder 5"/>
-          <p:cNvSpPr>
-            <a:spLocks noGrp="1"/>
-          </p:cNvSpPr>
-          <p:nvPr>
-            <p:ph type="ftr" sz="quarter" idx="11"/>
-          </p:nvPr>
-        </p:nvSpPr>
-        <p:spPr/>
-        <p:txBody>
-          <a:bodyPr/>
-          <a:lstStyle/>
-          <a:p>
-            <a:endParaRPr lang="en-GB"/>
-          </a:p>
-        </p:txBody>
-      </p:sp>
-      <p:sp>
-        <p:nvSpPr>
-          <p:cNvPr id="7" name="Slide Number Placeholder 6"/>
-          <p:cNvSpPr>
-            <a:spLocks noGrp="1"/>
-          </p:cNvSpPr>
-          <p:nvPr>
-            <p:ph type="sldNum" sz="quarter" idx="12"/>
-          </p:nvPr>
-        </p:nvSpPr>
-        <p:spPr/>
-        <p:txBody>
-          <a:bodyPr/>
-          <a:lstStyle/>
-          <a:p>
-            <a:fld id="{01EDE0BE-D2CD-4B6B-9A02-4A708E2FF965}" type="slidenum">
-              <a:rPr lang="en-GB" smtClean="0"/>
-              <a:t>‹#›</a:t>
-            </a:fld>
-            <a:endParaRPr lang="en-GB"/>
-          </a:p>
-        </p:txBody>
-      </p:sp>
-    </p:spTree>
-    <p:extLst>
-      <p:ext uri="{BB962C8B-B14F-4D97-AF65-F5344CB8AC3E}">
-        <p14:creationId xmlns:p14="http://schemas.microsoft.com/office/powerpoint/2010/main" val="906453117"/>
-      </p:ext>
-    </p:extLst>
-  </p:cSld>
-  <p:clrMapOvr>
-    <a:masterClrMapping/>
-  </p:clrMapOvr>
-</p:sldLayout>
-</file>
-
-<file path=ppt/slideLayouts/slideLayout9.xml><?xml version="1.0" encoding="utf-8"?>
-<p:sldLayout xmlns:a="http://schemas.openxmlformats.org/drawingml/2006/main" xmlns:r="http://schemas.openxmlformats.org/officeDocument/2006/relationships" xmlns:p="http://schemas.openxmlformats.org/presentationml/2006/main" type="picTx" preserve="1">
-  <p:cSld name="Picture with Caption">
-    <p:spTree>
-      <p:nvGrpSpPr>
-        <p:cNvPr id="1" name=""/>
-        <p:cNvGrpSpPr/>
-        <p:nvPr/>
-      </p:nvGrpSpPr>
-      <p:grpSpPr>
-        <a:xfrm>
-          <a:off x="0" y="0"/>
-          <a:ext cx="0" cy="0"/>
-          <a:chOff x="0" y="0"/>
-          <a:chExt cx="0" cy="0"/>
-        </a:xfrm>
-      </p:grpSpPr>
-      <p:sp>
-        <p:nvSpPr>
-          <p:cNvPr id="2" name="Title 1"/>
-          <p:cNvSpPr>
-            <a:spLocks noGrp="1"/>
-          </p:cNvSpPr>
-          <p:nvPr>
-            <p:ph type="title"/>
-          </p:nvPr>
-        </p:nvSpPr>
-        <p:spPr>
-          <a:xfrm>
-            <a:off x="839788" y="457200"/>
-            <a:ext cx="3932237" cy="1600200"/>
-          </a:xfrm>
-        </p:spPr>
-        <p:txBody>
-          <a:bodyPr anchor="b"/>
-          <a:lstStyle>
-            <a:lvl1pPr>
-              <a:defRPr sz="3200"/>
-            </a:lvl1pPr>
-          </a:lstStyle>
-          <a:p>
-            <a:r>
-              <a:rPr lang="en-US" smtClean="0"/>
-              <a:t>Click to edit Master title style</a:t>
-            </a:r>
-            <a:endParaRPr lang="en-GB"/>
-          </a:p>
-        </p:txBody>
-      </p:sp>
-      <p:sp>
-        <p:nvSpPr>
-          <p:cNvPr id="3" name="Picture Placeholder 2"/>
-          <p:cNvSpPr>
-            <a:spLocks noGrp="1"/>
-          </p:cNvSpPr>
-          <p:nvPr>
-            <p:ph type="pic" idx="1"/>
-          </p:nvPr>
-        </p:nvSpPr>
-        <p:spPr>
-          <a:xfrm>
-            <a:off x="5183188" y="987425"/>
-            <a:ext cx="6172200" cy="4873625"/>
-          </a:xfrm>
-        </p:spPr>
-        <p:txBody>
-          <a:bodyPr/>
-          <a:lstStyle>
-            <a:lvl1pPr marL="0" indent="0">
-              <a:buNone/>
-              <a:defRPr sz="3200"/>
-            </a:lvl1pPr>
-            <a:lvl2pPr marL="457200" indent="0">
-              <a:buNone/>
-              <a:defRPr sz="2800"/>
-            </a:lvl2pPr>
-            <a:lvl3pPr marL="914400" indent="0">
-              <a:buNone/>
-              <a:defRPr sz="2400"/>
-            </a:lvl3pPr>
-            <a:lvl4pPr marL="1371600" indent="0">
-              <a:buNone/>
-              <a:defRPr sz="2000"/>
-            </a:lvl4pPr>
-            <a:lvl5pPr marL="1828800" indent="0">
-              <a:buNone/>
-              <a:defRPr sz="2000"/>
-            </a:lvl5pPr>
-            <a:lvl6pPr marL="2286000" indent="0">
-              <a:buNone/>
-              <a:defRPr sz="2000"/>
-            </a:lvl6pPr>
-            <a:lvl7pPr marL="2743200" indent="0">
-              <a:buNone/>
-              <a:defRPr sz="2000"/>
-            </a:lvl7pPr>
-            <a:lvl8pPr marL="3200400" indent="0">
-              <a:buNone/>
-              <a:defRPr sz="2000"/>
-            </a:lvl8pPr>
-            <a:lvl9pPr marL="3657600" indent="0">
-              <a:buNone/>
-              <a:defRPr sz="2000"/>
-            </a:lvl9pPr>
-          </a:lstStyle>
-          <a:p>
-            <a:endParaRPr lang="en-GB"/>
-          </a:p>
-        </p:txBody>
-      </p:sp>
-      <p:sp>
-        <p:nvSpPr>
-          <p:cNvPr id="4" name="Text Placeholder 3"/>
-          <p:cNvSpPr>
-            <a:spLocks noGrp="1"/>
-          </p:cNvSpPr>
-          <p:nvPr>
-            <p:ph type="body" sz="half" idx="2"/>
-          </p:nvPr>
-        </p:nvSpPr>
-        <p:spPr>
-          <a:xfrm>
-            <a:off x="839788" y="2057400"/>
-            <a:ext cx="3932237" cy="3811588"/>
-          </a:xfrm>
-        </p:spPr>
-        <p:txBody>
-          <a:bodyPr/>
-          <a:lstStyle>
-            <a:lvl1pPr marL="0" indent="0">
-              <a:buNone/>
-              <a:defRPr sz="1600"/>
-            </a:lvl1pPr>
-            <a:lvl2pPr marL="457200" indent="0">
-              <a:buNone/>
-              <a:defRPr sz="1400"/>
-            </a:lvl2pPr>
-            <a:lvl3pPr marL="914400" indent="0">
-              <a:buNone/>
-              <a:defRPr sz="1200"/>
-            </a:lvl3pPr>
-            <a:lvl4pPr marL="1371600" indent="0">
-              <a:buNone/>
-              <a:defRPr sz="1000"/>
-            </a:lvl4pPr>
-            <a:lvl5pPr marL="1828800" indent="0">
-              <a:buNone/>
-              <a:defRPr sz="1000"/>
-            </a:lvl5pPr>
-            <a:lvl6pPr marL="2286000" indent="0">
-              <a:buNone/>
-              <a:defRPr sz="1000"/>
-            </a:lvl6pPr>
-            <a:lvl7pPr marL="2743200" indent="0">
-              <a:buNone/>
-              <a:defRPr sz="1000"/>
-            </a:lvl7pPr>
-            <a:lvl8pPr marL="3200400" indent="0">
-              <a:buNone/>
-              <a:defRPr sz="1000"/>
-            </a:lvl8pPr>
-            <a:lvl9pPr marL="3657600" indent="0">
-              <a:buNone/>
-              <a:defRPr sz="1000"/>
-            </a:lvl9pPr>
-          </a:lstStyle>
-          <a:p>
-            <a:pPr lvl="0"/>
-            <a:r>
-              <a:rPr lang="en-US" smtClean="0"/>
-              <a:t>Click to edit Master text styles</a:t>
-            </a:r>
-          </a:p>
-        </p:txBody>
-      </p:sp>
-      <p:sp>
-        <p:nvSpPr>
-          <p:cNvPr id="5" name="Date Placeholder 4"/>
-          <p:cNvSpPr>
-            <a:spLocks noGrp="1"/>
-          </p:cNvSpPr>
-          <p:nvPr>
-            <p:ph type="dt" sz="half" idx="10"/>
-          </p:nvPr>
-        </p:nvSpPr>
-        <p:spPr/>
-        <p:txBody>
-          <a:bodyPr/>
-          <a:lstStyle/>
-          <a:p>
-            <a:fld id="{883BD084-2C06-41D0-A826-B3CA4EDA1986}" type="datetimeFigureOut">
-              <a:rPr lang="en-GB" smtClean="0"/>
-              <a:t>16/02/2017</a:t>
-            </a:fld>
-            <a:endParaRPr lang="en-GB"/>
-          </a:p>
-        </p:txBody>
-      </p:sp>
-      <p:sp>
-        <p:nvSpPr>
-          <p:cNvPr id="6" name="Footer Placeholder 5"/>
-          <p:cNvSpPr>
-            <a:spLocks noGrp="1"/>
-          </p:cNvSpPr>
-          <p:nvPr>
-            <p:ph type="ftr" sz="quarter" idx="11"/>
-          </p:nvPr>
-        </p:nvSpPr>
-        <p:spPr/>
-        <p:txBody>
-          <a:bodyPr/>
-          <a:lstStyle/>
-          <a:p>
-            <a:endParaRPr lang="en-GB"/>
-          </a:p>
-        </p:txBody>
-      </p:sp>
-      <p:sp>
-        <p:nvSpPr>
-          <p:cNvPr id="7" name="Slide Number Placeholder 6"/>
-          <p:cNvSpPr>
-            <a:spLocks noGrp="1"/>
-          </p:cNvSpPr>
-          <p:nvPr>
-            <p:ph type="sldNum" sz="quarter" idx="12"/>
-          </p:nvPr>
-        </p:nvSpPr>
-        <p:spPr/>
-        <p:txBody>
-          <a:bodyPr/>
-          <a:lstStyle/>
-          <a:p>
-            <a:fld id="{01EDE0BE-D2CD-4B6B-9A02-4A708E2FF965}" type="slidenum">
-              <a:rPr lang="en-GB" smtClean="0"/>
-              <a:t>‹#›</a:t>
-            </a:fld>
-            <a:endParaRPr lang="en-GB"/>
-          </a:p>
-        </p:txBody>
-      </p:sp>
-    </p:spTree>
-    <p:extLst>
-      <p:ext uri="{BB962C8B-B14F-4D97-AF65-F5344CB8AC3E}">
-        <p14:creationId xmlns:p14="http://schemas.microsoft.com/office/powerpoint/2010/main" val="2292388133"/>
-      </p:ext>
-    </p:extLst>
-  </p:cSld>
-  <p:clrMapOvr>
-    <a:masterClrMapping/>
-  </p:clrMapOvr>
-</p:sldLayout>
-</file>
-
-<file path=ppt/slideMasters/slideMaster1.xml><?xml version="1.0" encoding="utf-8"?>
-<p:sldMaster xmlns:a="http://schemas.openxmlformats.org/drawingml/2006/main" xmlns:r="http://schemas.openxmlformats.org/officeDocument/2006/relationships" xmlns:p="http://schemas.openxmlformats.org/presentationml/2006/main">
-  <p:cSld>
-    <p:bg>
-      <p:bgRef idx="1001">
-        <a:schemeClr val="bg1"/>
-      </p:bgRef>
-    </p:bg>
-    <p:spTree>
-      <p:nvGrpSpPr>
-        <p:cNvPr id="1" name=""/>
-        <p:cNvGrpSpPr/>
-        <p:nvPr/>
-      </p:nvGrpSpPr>
-      <p:grpSpPr>
-        <a:xfrm>
-          <a:off x="0" y="0"/>
-          <a:ext cx="0" cy="0"/>
-          <a:chOff x="0" y="0"/>
-          <a:chExt cx="0" cy="0"/>
-        </a:xfrm>
-      </p:grpSpPr>
-      <p:sp>
-        <p:nvSpPr>
-          <p:cNvPr id="2" name="Title Placeholder 1"/>
-          <p:cNvSpPr>
-            <a:spLocks noGrp="1"/>
-          </p:cNvSpPr>
-          <p:nvPr>
-            <p:ph type="title"/>
-          </p:nvPr>
-        </p:nvSpPr>
-        <p:spPr>
-          <a:xfrm>
-            <a:off x="838200" y="365125"/>
-            <a:ext cx="10515600" cy="1325563"/>
-          </a:xfrm>
-          <a:prstGeom prst="rect">
-            <a:avLst/>
-          </a:prstGeom>
-        </p:spPr>
-        <p:txBody>
-          <a:bodyPr vert="horz" lIns="91440" tIns="45720" rIns="91440" bIns="45720" rtlCol="0" anchor="ctr">
-            <a:normAutofit/>
-          </a:bodyPr>
-          <a:lstStyle/>
-          <a:p>
-            <a:r>
-              <a:rPr lang="en-US" smtClean="0"/>
-              <a:t>Click to edit Master title style</a:t>
-            </a:r>
-            <a:endParaRPr lang="en-GB"/>
-          </a:p>
-        </p:txBody>
-      </p:sp>
-      <p:sp>
-        <p:nvSpPr>
-          <p:cNvPr id="3" name="Text Placeholder 2"/>
-          <p:cNvSpPr>
-            <a:spLocks noGrp="1"/>
-          </p:cNvSpPr>
-          <p:nvPr>
-            <p:ph type="body" idx="1"/>
-          </p:nvPr>
-        </p:nvSpPr>
-        <p:spPr>
-          <a:xfrm>
-            <a:off x="838200" y="1825625"/>
-            <a:ext cx="10515600" cy="4351338"/>
-          </a:xfrm>
-          <a:prstGeom prst="rect">
-            <a:avLst/>
-          </a:prstGeom>
-        </p:spPr>
-        <p:txBody>
-          <a:bodyPr vert="horz" lIns="91440" tIns="45720" rIns="91440" bIns="45720" rtlCol="0">
-            <a:normAutofit/>
-          </a:bodyPr>
-          <a:lstStyle/>
-          <a:p>
-            <a:pPr lvl="0"/>
-            <a:r>
-              <a:rPr lang="en-US" smtClean="0"/>
-              <a:t>Click to edit Master text styles</a:t>
-            </a:r>
-          </a:p>
-          <a:p>
-            <a:pPr lvl="1"/>
-            <a:r>
-              <a:rPr lang="en-US" smtClean="0"/>
-              <a:t>Second level</a:t>
-            </a:r>
-          </a:p>
-          <a:p>
-            <a:pPr lvl="2"/>
-            <a:r>
-              <a:rPr lang="en-US" smtClean="0"/>
-              <a:t>Third level</a:t>
-            </a:r>
-          </a:p>
-          <a:p>
-            <a:pPr lvl="3"/>
-            <a:r>
-              <a:rPr lang="en-US" smtClean="0"/>
-              <a:t>Fourth level</a:t>
-            </a:r>
-          </a:p>
-          <a:p>
-            <a:pPr lvl="4"/>
-            <a:r>
-              <a:rPr lang="en-US" smtClean="0"/>
-              <a:t>Fifth level</a:t>
-            </a:r>
-            <a:endParaRPr lang="en-GB"/>
-          </a:p>
-        </p:txBody>
-      </p:sp>
-      <p:sp>
-        <p:nvSpPr>
-          <p:cNvPr id="4" name="Date Placeholder 3"/>
-          <p:cNvSpPr>
-            <a:spLocks noGrp="1"/>
-          </p:cNvSpPr>
-          <p:nvPr>
-            <p:ph type="dt" sz="half" idx="2"/>
-          </p:nvPr>
-        </p:nvSpPr>
-        <p:spPr>
-          <a:xfrm>
-            <a:off x="838200" y="6356350"/>
-            <a:ext cx="2743200" cy="365125"/>
-          </a:xfrm>
-          <a:prstGeom prst="rect">
-            <a:avLst/>
-          </a:prstGeom>
-        </p:spPr>
-        <p:txBody>
-          <a:bodyPr vert="horz" lIns="91440" tIns="45720" rIns="91440" bIns="45720" rtlCol="0" anchor="ctr"/>
-          <a:lstStyle>
-            <a:lvl1pPr algn="l">
-              <a:defRPr sz="1200">
-                <a:solidFill>
-                  <a:schemeClr val="tx1">
-                    <a:tint val="75000"/>
-                  </a:schemeClr>
-                </a:solidFill>
-              </a:defRPr>
-            </a:lvl1pPr>
-          </a:lstStyle>
-          <a:p>
-            <a:fld id="{883BD084-2C06-41D0-A826-B3CA4EDA1986}" type="datetimeFigureOut">
-              <a:rPr lang="en-GB" smtClean="0"/>
-              <a:t>16/02/2017</a:t>
-            </a:fld>
-            <a:endParaRPr lang="en-GB"/>
-          </a:p>
-        </p:txBody>
-      </p:sp>
-      <p:sp>
-        <p:nvSpPr>
-          <p:cNvPr id="5" name="Footer Placeholder 4"/>
-          <p:cNvSpPr>
-            <a:spLocks noGrp="1"/>
-          </p:cNvSpPr>
-          <p:nvPr>
-            <p:ph type="ftr" sz="quarter" idx="3"/>
-          </p:nvPr>
-        </p:nvSpPr>
-        <p:spPr>
-          <a:xfrm>
-            <a:off x="4038600" y="6356350"/>
-            <a:ext cx="4114800" cy="365125"/>
-          </a:xfrm>
-          <a:prstGeom prst="rect">
-            <a:avLst/>
-          </a:prstGeom>
-        </p:spPr>
-        <p:txBody>
-          <a:bodyPr vert="horz" lIns="91440" tIns="45720" rIns="91440" bIns="45720" rtlCol="0" anchor="ctr"/>
-          <a:lstStyle>
-            <a:lvl1pPr algn="ctr">
-              <a:defRPr sz="1200">
-                <a:solidFill>
-                  <a:schemeClr val="tx1">
-                    <a:tint val="75000"/>
-                  </a:schemeClr>
-                </a:solidFill>
-              </a:defRPr>
-            </a:lvl1pPr>
-          </a:lstStyle>
-          <a:p>
-            <a:endParaRPr lang="en-GB"/>
-          </a:p>
-        </p:txBody>
-      </p:sp>
-      <p:sp>
-        <p:nvSpPr>
-          <p:cNvPr id="6" name="Slide Number Placeholder 5"/>
-          <p:cNvSpPr>
-            <a:spLocks noGrp="1"/>
-          </p:cNvSpPr>
-          <p:nvPr>
-            <p:ph type="sldNum" sz="quarter" idx="4"/>
-          </p:nvPr>
-        </p:nvSpPr>
-        <p:spPr>
-          <a:xfrm>
-            <a:off x="8610600" y="6356350"/>
-            <a:ext cx="2743200" cy="365125"/>
-          </a:xfrm>
-          <a:prstGeom prst="rect">
-            <a:avLst/>
-          </a:prstGeom>
-        </p:spPr>
-        <p:txBody>
-          <a:bodyPr vert="horz" lIns="91440" tIns="45720" rIns="91440" bIns="45720" rtlCol="0" anchor="ctr"/>
-          <a:lstStyle>
-            <a:lvl1pPr algn="r">
-              <a:defRPr sz="1200">
-                <a:solidFill>
-                  <a:schemeClr val="tx1">
-                    <a:tint val="75000"/>
-                  </a:schemeClr>
-                </a:solidFill>
-              </a:defRPr>
-            </a:lvl1pPr>
-          </a:lstStyle>
-          <a:p>
-            <a:fld id="{01EDE0BE-D2CD-4B6B-9A02-4A708E2FF965}" type="slidenum">
-              <a:rPr lang="en-GB" smtClean="0"/>
-              <a:t>‹#›</a:t>
-            </a:fld>
-            <a:endParaRPr lang="en-GB"/>
-          </a:p>
-        </p:txBody>
-      </p:sp>
       <p:grpSp>
         <p:nvGrpSpPr>
-          <p:cNvPr id="7" name="Group 6"/>
+          <p:cNvPr id="5" name="Group 4"/>
           <p:cNvGrpSpPr/>
           <p:nvPr userDrawn="1"/>
         </p:nvGrpSpPr>
@@ -5189,13 +4594,13 @@
         </p:grpSpPr>
         <p:sp>
           <p:nvSpPr>
-            <p:cNvPr id="8" name="Freeform 5"/>
+            <p:cNvPr id="6" name="Freeform 5"/>
             <p:cNvSpPr>
               <a:spLocks noEditPoints="1"/>
             </p:cNvSpPr>
             <p:nvPr>
               <p:custDataLst>
-                <p:tags r:id="rId13"/>
+                <p:tags r:id="rId1"/>
               </p:custDataLst>
             </p:nvPr>
           </p:nvSpPr>
@@ -5349,13 +4754,13 @@
         </p:sp>
         <p:sp>
           <p:nvSpPr>
-            <p:cNvPr id="9" name="Freeform 6"/>
+            <p:cNvPr id="7" name="Freeform 6"/>
             <p:cNvSpPr>
               <a:spLocks noEditPoints="1"/>
             </p:cNvSpPr>
             <p:nvPr>
               <p:custDataLst>
-                <p:tags r:id="rId14"/>
+                <p:tags r:id="rId2"/>
               </p:custDataLst>
             </p:nvPr>
           </p:nvSpPr>
@@ -7416,6 +6821,785 @@
     </p:spTree>
     <p:extLst>
       <p:ext uri="{BB962C8B-B14F-4D97-AF65-F5344CB8AC3E}">
+        <p14:creationId xmlns:p14="http://schemas.microsoft.com/office/powerpoint/2010/main" val="375367744"/>
+      </p:ext>
+    </p:extLst>
+  </p:cSld>
+  <p:clrMapOvr>
+    <a:masterClrMapping/>
+  </p:clrMapOvr>
+</p:sldLayout>
+</file>
+
+<file path=ppt/slideLayouts/slideLayout8.xml><?xml version="1.0" encoding="utf-8"?>
+<p:sldLayout xmlns:a="http://schemas.openxmlformats.org/drawingml/2006/main" xmlns:r="http://schemas.openxmlformats.org/officeDocument/2006/relationships" xmlns:p="http://schemas.openxmlformats.org/presentationml/2006/main" type="objTx" preserve="1">
+  <p:cSld name="Content with Caption">
+    <p:spTree>
+      <p:nvGrpSpPr>
+        <p:cNvPr id="1" name=""/>
+        <p:cNvGrpSpPr/>
+        <p:nvPr/>
+      </p:nvGrpSpPr>
+      <p:grpSpPr>
+        <a:xfrm>
+          <a:off x="0" y="0"/>
+          <a:ext cx="0" cy="0"/>
+          <a:chOff x="0" y="0"/>
+          <a:chExt cx="0" cy="0"/>
+        </a:xfrm>
+      </p:grpSpPr>
+      <p:sp>
+        <p:nvSpPr>
+          <p:cNvPr id="2" name="Title 1"/>
+          <p:cNvSpPr>
+            <a:spLocks noGrp="1"/>
+          </p:cNvSpPr>
+          <p:nvPr>
+            <p:ph type="title"/>
+          </p:nvPr>
+        </p:nvSpPr>
+        <p:spPr>
+          <a:xfrm>
+            <a:off x="839788" y="457200"/>
+            <a:ext cx="3932237" cy="1600200"/>
+          </a:xfrm>
+        </p:spPr>
+        <p:txBody>
+          <a:bodyPr anchor="b"/>
+          <a:lstStyle>
+            <a:lvl1pPr>
+              <a:defRPr sz="3200"/>
+            </a:lvl1pPr>
+          </a:lstStyle>
+          <a:p>
+            <a:r>
+              <a:rPr lang="en-US" smtClean="0"/>
+              <a:t>Click to edit Master title style</a:t>
+            </a:r>
+            <a:endParaRPr lang="en-GB"/>
+          </a:p>
+        </p:txBody>
+      </p:sp>
+      <p:sp>
+        <p:nvSpPr>
+          <p:cNvPr id="3" name="Content Placeholder 2"/>
+          <p:cNvSpPr>
+            <a:spLocks noGrp="1"/>
+          </p:cNvSpPr>
+          <p:nvPr>
+            <p:ph idx="1"/>
+          </p:nvPr>
+        </p:nvSpPr>
+        <p:spPr>
+          <a:xfrm>
+            <a:off x="5183188" y="987425"/>
+            <a:ext cx="6172200" cy="4873625"/>
+          </a:xfrm>
+        </p:spPr>
+        <p:txBody>
+          <a:bodyPr/>
+          <a:lstStyle>
+            <a:lvl1pPr>
+              <a:defRPr sz="3200"/>
+            </a:lvl1pPr>
+            <a:lvl2pPr>
+              <a:defRPr sz="2800"/>
+            </a:lvl2pPr>
+            <a:lvl3pPr>
+              <a:defRPr sz="2400"/>
+            </a:lvl3pPr>
+            <a:lvl4pPr>
+              <a:defRPr sz="2000"/>
+            </a:lvl4pPr>
+            <a:lvl5pPr>
+              <a:defRPr sz="2000"/>
+            </a:lvl5pPr>
+            <a:lvl6pPr>
+              <a:defRPr sz="2000"/>
+            </a:lvl6pPr>
+            <a:lvl7pPr>
+              <a:defRPr sz="2000"/>
+            </a:lvl7pPr>
+            <a:lvl8pPr>
+              <a:defRPr sz="2000"/>
+            </a:lvl8pPr>
+            <a:lvl9pPr>
+              <a:defRPr sz="2000"/>
+            </a:lvl9pPr>
+          </a:lstStyle>
+          <a:p>
+            <a:pPr lvl="0"/>
+            <a:r>
+              <a:rPr lang="en-US" smtClean="0"/>
+              <a:t>Click to edit Master text styles</a:t>
+            </a:r>
+          </a:p>
+          <a:p>
+            <a:pPr lvl="1"/>
+            <a:r>
+              <a:rPr lang="en-US" smtClean="0"/>
+              <a:t>Second level</a:t>
+            </a:r>
+          </a:p>
+          <a:p>
+            <a:pPr lvl="2"/>
+            <a:r>
+              <a:rPr lang="en-US" smtClean="0"/>
+              <a:t>Third level</a:t>
+            </a:r>
+          </a:p>
+          <a:p>
+            <a:pPr lvl="3"/>
+            <a:r>
+              <a:rPr lang="en-US" smtClean="0"/>
+              <a:t>Fourth level</a:t>
+            </a:r>
+          </a:p>
+          <a:p>
+            <a:pPr lvl="4"/>
+            <a:r>
+              <a:rPr lang="en-US" smtClean="0"/>
+              <a:t>Fifth level</a:t>
+            </a:r>
+            <a:endParaRPr lang="en-GB"/>
+          </a:p>
+        </p:txBody>
+      </p:sp>
+      <p:sp>
+        <p:nvSpPr>
+          <p:cNvPr id="4" name="Text Placeholder 3"/>
+          <p:cNvSpPr>
+            <a:spLocks noGrp="1"/>
+          </p:cNvSpPr>
+          <p:nvPr>
+            <p:ph type="body" sz="half" idx="2"/>
+          </p:nvPr>
+        </p:nvSpPr>
+        <p:spPr>
+          <a:xfrm>
+            <a:off x="839788" y="2057400"/>
+            <a:ext cx="3932237" cy="3811588"/>
+          </a:xfrm>
+        </p:spPr>
+        <p:txBody>
+          <a:bodyPr/>
+          <a:lstStyle>
+            <a:lvl1pPr marL="0" indent="0">
+              <a:buNone/>
+              <a:defRPr sz="1600"/>
+            </a:lvl1pPr>
+            <a:lvl2pPr marL="457200" indent="0">
+              <a:buNone/>
+              <a:defRPr sz="1400"/>
+            </a:lvl2pPr>
+            <a:lvl3pPr marL="914400" indent="0">
+              <a:buNone/>
+              <a:defRPr sz="1200"/>
+            </a:lvl3pPr>
+            <a:lvl4pPr marL="1371600" indent="0">
+              <a:buNone/>
+              <a:defRPr sz="1000"/>
+            </a:lvl4pPr>
+            <a:lvl5pPr marL="1828800" indent="0">
+              <a:buNone/>
+              <a:defRPr sz="1000"/>
+            </a:lvl5pPr>
+            <a:lvl6pPr marL="2286000" indent="0">
+              <a:buNone/>
+              <a:defRPr sz="1000"/>
+            </a:lvl6pPr>
+            <a:lvl7pPr marL="2743200" indent="0">
+              <a:buNone/>
+              <a:defRPr sz="1000"/>
+            </a:lvl7pPr>
+            <a:lvl8pPr marL="3200400" indent="0">
+              <a:buNone/>
+              <a:defRPr sz="1000"/>
+            </a:lvl8pPr>
+            <a:lvl9pPr marL="3657600" indent="0">
+              <a:buNone/>
+              <a:defRPr sz="1000"/>
+            </a:lvl9pPr>
+          </a:lstStyle>
+          <a:p>
+            <a:pPr lvl="0"/>
+            <a:r>
+              <a:rPr lang="en-US" smtClean="0"/>
+              <a:t>Click to edit Master text styles</a:t>
+            </a:r>
+          </a:p>
+        </p:txBody>
+      </p:sp>
+      <p:sp>
+        <p:nvSpPr>
+          <p:cNvPr id="5" name="Date Placeholder 4"/>
+          <p:cNvSpPr>
+            <a:spLocks noGrp="1"/>
+          </p:cNvSpPr>
+          <p:nvPr>
+            <p:ph type="dt" sz="half" idx="10"/>
+          </p:nvPr>
+        </p:nvSpPr>
+        <p:spPr/>
+        <p:txBody>
+          <a:bodyPr/>
+          <a:lstStyle/>
+          <a:p>
+            <a:fld id="{883BD084-2C06-41D0-A826-B3CA4EDA1986}" type="datetimeFigureOut">
+              <a:rPr lang="en-GB" smtClean="0"/>
+              <a:t>19/04/2017</a:t>
+            </a:fld>
+            <a:endParaRPr lang="en-GB"/>
+          </a:p>
+        </p:txBody>
+      </p:sp>
+      <p:sp>
+        <p:nvSpPr>
+          <p:cNvPr id="6" name="Footer Placeholder 5"/>
+          <p:cNvSpPr>
+            <a:spLocks noGrp="1"/>
+          </p:cNvSpPr>
+          <p:nvPr>
+            <p:ph type="ftr" sz="quarter" idx="11"/>
+          </p:nvPr>
+        </p:nvSpPr>
+        <p:spPr/>
+        <p:txBody>
+          <a:bodyPr/>
+          <a:lstStyle/>
+          <a:p>
+            <a:endParaRPr lang="en-GB"/>
+          </a:p>
+        </p:txBody>
+      </p:sp>
+      <p:sp>
+        <p:nvSpPr>
+          <p:cNvPr id="7" name="Slide Number Placeholder 6"/>
+          <p:cNvSpPr>
+            <a:spLocks noGrp="1"/>
+          </p:cNvSpPr>
+          <p:nvPr>
+            <p:ph type="sldNum" sz="quarter" idx="12"/>
+          </p:nvPr>
+        </p:nvSpPr>
+        <p:spPr/>
+        <p:txBody>
+          <a:bodyPr/>
+          <a:lstStyle/>
+          <a:p>
+            <a:fld id="{01EDE0BE-D2CD-4B6B-9A02-4A708E2FF965}" type="slidenum">
+              <a:rPr lang="en-GB" smtClean="0"/>
+              <a:t>‹#›</a:t>
+            </a:fld>
+            <a:endParaRPr lang="en-GB"/>
+          </a:p>
+        </p:txBody>
+      </p:sp>
+    </p:spTree>
+    <p:extLst>
+      <p:ext uri="{BB962C8B-B14F-4D97-AF65-F5344CB8AC3E}">
+        <p14:creationId xmlns:p14="http://schemas.microsoft.com/office/powerpoint/2010/main" val="906453117"/>
+      </p:ext>
+    </p:extLst>
+  </p:cSld>
+  <p:clrMapOvr>
+    <a:masterClrMapping/>
+  </p:clrMapOvr>
+</p:sldLayout>
+</file>
+
+<file path=ppt/slideLayouts/slideLayout9.xml><?xml version="1.0" encoding="utf-8"?>
+<p:sldLayout xmlns:a="http://schemas.openxmlformats.org/drawingml/2006/main" xmlns:r="http://schemas.openxmlformats.org/officeDocument/2006/relationships" xmlns:p="http://schemas.openxmlformats.org/presentationml/2006/main" type="picTx" preserve="1">
+  <p:cSld name="Picture with Caption">
+    <p:spTree>
+      <p:nvGrpSpPr>
+        <p:cNvPr id="1" name=""/>
+        <p:cNvGrpSpPr/>
+        <p:nvPr/>
+      </p:nvGrpSpPr>
+      <p:grpSpPr>
+        <a:xfrm>
+          <a:off x="0" y="0"/>
+          <a:ext cx="0" cy="0"/>
+          <a:chOff x="0" y="0"/>
+          <a:chExt cx="0" cy="0"/>
+        </a:xfrm>
+      </p:grpSpPr>
+      <p:sp>
+        <p:nvSpPr>
+          <p:cNvPr id="2" name="Title 1"/>
+          <p:cNvSpPr>
+            <a:spLocks noGrp="1"/>
+          </p:cNvSpPr>
+          <p:nvPr>
+            <p:ph type="title"/>
+          </p:nvPr>
+        </p:nvSpPr>
+        <p:spPr>
+          <a:xfrm>
+            <a:off x="839788" y="457200"/>
+            <a:ext cx="3932237" cy="1600200"/>
+          </a:xfrm>
+        </p:spPr>
+        <p:txBody>
+          <a:bodyPr anchor="b"/>
+          <a:lstStyle>
+            <a:lvl1pPr>
+              <a:defRPr sz="3200"/>
+            </a:lvl1pPr>
+          </a:lstStyle>
+          <a:p>
+            <a:r>
+              <a:rPr lang="en-US" smtClean="0"/>
+              <a:t>Click to edit Master title style</a:t>
+            </a:r>
+            <a:endParaRPr lang="en-GB"/>
+          </a:p>
+        </p:txBody>
+      </p:sp>
+      <p:sp>
+        <p:nvSpPr>
+          <p:cNvPr id="3" name="Picture Placeholder 2"/>
+          <p:cNvSpPr>
+            <a:spLocks noGrp="1"/>
+          </p:cNvSpPr>
+          <p:nvPr>
+            <p:ph type="pic" idx="1"/>
+          </p:nvPr>
+        </p:nvSpPr>
+        <p:spPr>
+          <a:xfrm>
+            <a:off x="5183188" y="987425"/>
+            <a:ext cx="6172200" cy="4873625"/>
+          </a:xfrm>
+        </p:spPr>
+        <p:txBody>
+          <a:bodyPr/>
+          <a:lstStyle>
+            <a:lvl1pPr marL="0" indent="0">
+              <a:buNone/>
+              <a:defRPr sz="3200"/>
+            </a:lvl1pPr>
+            <a:lvl2pPr marL="457200" indent="0">
+              <a:buNone/>
+              <a:defRPr sz="2800"/>
+            </a:lvl2pPr>
+            <a:lvl3pPr marL="914400" indent="0">
+              <a:buNone/>
+              <a:defRPr sz="2400"/>
+            </a:lvl3pPr>
+            <a:lvl4pPr marL="1371600" indent="0">
+              <a:buNone/>
+              <a:defRPr sz="2000"/>
+            </a:lvl4pPr>
+            <a:lvl5pPr marL="1828800" indent="0">
+              <a:buNone/>
+              <a:defRPr sz="2000"/>
+            </a:lvl5pPr>
+            <a:lvl6pPr marL="2286000" indent="0">
+              <a:buNone/>
+              <a:defRPr sz="2000"/>
+            </a:lvl6pPr>
+            <a:lvl7pPr marL="2743200" indent="0">
+              <a:buNone/>
+              <a:defRPr sz="2000"/>
+            </a:lvl7pPr>
+            <a:lvl8pPr marL="3200400" indent="0">
+              <a:buNone/>
+              <a:defRPr sz="2000"/>
+            </a:lvl8pPr>
+            <a:lvl9pPr marL="3657600" indent="0">
+              <a:buNone/>
+              <a:defRPr sz="2000"/>
+            </a:lvl9pPr>
+          </a:lstStyle>
+          <a:p>
+            <a:endParaRPr lang="en-GB"/>
+          </a:p>
+        </p:txBody>
+      </p:sp>
+      <p:sp>
+        <p:nvSpPr>
+          <p:cNvPr id="4" name="Text Placeholder 3"/>
+          <p:cNvSpPr>
+            <a:spLocks noGrp="1"/>
+          </p:cNvSpPr>
+          <p:nvPr>
+            <p:ph type="body" sz="half" idx="2"/>
+          </p:nvPr>
+        </p:nvSpPr>
+        <p:spPr>
+          <a:xfrm>
+            <a:off x="839788" y="2057400"/>
+            <a:ext cx="3932237" cy="3811588"/>
+          </a:xfrm>
+        </p:spPr>
+        <p:txBody>
+          <a:bodyPr/>
+          <a:lstStyle>
+            <a:lvl1pPr marL="0" indent="0">
+              <a:buNone/>
+              <a:defRPr sz="1600"/>
+            </a:lvl1pPr>
+            <a:lvl2pPr marL="457200" indent="0">
+              <a:buNone/>
+              <a:defRPr sz="1400"/>
+            </a:lvl2pPr>
+            <a:lvl3pPr marL="914400" indent="0">
+              <a:buNone/>
+              <a:defRPr sz="1200"/>
+            </a:lvl3pPr>
+            <a:lvl4pPr marL="1371600" indent="0">
+              <a:buNone/>
+              <a:defRPr sz="1000"/>
+            </a:lvl4pPr>
+            <a:lvl5pPr marL="1828800" indent="0">
+              <a:buNone/>
+              <a:defRPr sz="1000"/>
+            </a:lvl5pPr>
+            <a:lvl6pPr marL="2286000" indent="0">
+              <a:buNone/>
+              <a:defRPr sz="1000"/>
+            </a:lvl6pPr>
+            <a:lvl7pPr marL="2743200" indent="0">
+              <a:buNone/>
+              <a:defRPr sz="1000"/>
+            </a:lvl7pPr>
+            <a:lvl8pPr marL="3200400" indent="0">
+              <a:buNone/>
+              <a:defRPr sz="1000"/>
+            </a:lvl8pPr>
+            <a:lvl9pPr marL="3657600" indent="0">
+              <a:buNone/>
+              <a:defRPr sz="1000"/>
+            </a:lvl9pPr>
+          </a:lstStyle>
+          <a:p>
+            <a:pPr lvl="0"/>
+            <a:r>
+              <a:rPr lang="en-US" smtClean="0"/>
+              <a:t>Click to edit Master text styles</a:t>
+            </a:r>
+          </a:p>
+        </p:txBody>
+      </p:sp>
+      <p:sp>
+        <p:nvSpPr>
+          <p:cNvPr id="5" name="Date Placeholder 4"/>
+          <p:cNvSpPr>
+            <a:spLocks noGrp="1"/>
+          </p:cNvSpPr>
+          <p:nvPr>
+            <p:ph type="dt" sz="half" idx="10"/>
+          </p:nvPr>
+        </p:nvSpPr>
+        <p:spPr/>
+        <p:txBody>
+          <a:bodyPr/>
+          <a:lstStyle/>
+          <a:p>
+            <a:fld id="{883BD084-2C06-41D0-A826-B3CA4EDA1986}" type="datetimeFigureOut">
+              <a:rPr lang="en-GB" smtClean="0"/>
+              <a:t>19/04/2017</a:t>
+            </a:fld>
+            <a:endParaRPr lang="en-GB"/>
+          </a:p>
+        </p:txBody>
+      </p:sp>
+      <p:sp>
+        <p:nvSpPr>
+          <p:cNvPr id="6" name="Footer Placeholder 5"/>
+          <p:cNvSpPr>
+            <a:spLocks noGrp="1"/>
+          </p:cNvSpPr>
+          <p:nvPr>
+            <p:ph type="ftr" sz="quarter" idx="11"/>
+          </p:nvPr>
+        </p:nvSpPr>
+        <p:spPr/>
+        <p:txBody>
+          <a:bodyPr/>
+          <a:lstStyle/>
+          <a:p>
+            <a:endParaRPr lang="en-GB"/>
+          </a:p>
+        </p:txBody>
+      </p:sp>
+      <p:sp>
+        <p:nvSpPr>
+          <p:cNvPr id="7" name="Slide Number Placeholder 6"/>
+          <p:cNvSpPr>
+            <a:spLocks noGrp="1"/>
+          </p:cNvSpPr>
+          <p:nvPr>
+            <p:ph type="sldNum" sz="quarter" idx="12"/>
+          </p:nvPr>
+        </p:nvSpPr>
+        <p:spPr/>
+        <p:txBody>
+          <a:bodyPr/>
+          <a:lstStyle/>
+          <a:p>
+            <a:fld id="{01EDE0BE-D2CD-4B6B-9A02-4A708E2FF965}" type="slidenum">
+              <a:rPr lang="en-GB" smtClean="0"/>
+              <a:t>‹#›</a:t>
+            </a:fld>
+            <a:endParaRPr lang="en-GB"/>
+          </a:p>
+        </p:txBody>
+      </p:sp>
+    </p:spTree>
+    <p:extLst>
+      <p:ext uri="{BB962C8B-B14F-4D97-AF65-F5344CB8AC3E}">
+        <p14:creationId xmlns:p14="http://schemas.microsoft.com/office/powerpoint/2010/main" val="2292388133"/>
+      </p:ext>
+    </p:extLst>
+  </p:cSld>
+  <p:clrMapOvr>
+    <a:masterClrMapping/>
+  </p:clrMapOvr>
+</p:sldLayout>
+</file>
+
+<file path=ppt/slideMasters/slideMaster1.xml><?xml version="1.0" encoding="utf-8"?>
+<p:sldMaster xmlns:a="http://schemas.openxmlformats.org/drawingml/2006/main" xmlns:r="http://schemas.openxmlformats.org/officeDocument/2006/relationships" xmlns:p="http://schemas.openxmlformats.org/presentationml/2006/main">
+  <p:cSld>
+    <p:bg>
+      <p:bgRef idx="1001">
+        <a:schemeClr val="bg1"/>
+      </p:bgRef>
+    </p:bg>
+    <p:spTree>
+      <p:nvGrpSpPr>
+        <p:cNvPr id="1" name=""/>
+        <p:cNvGrpSpPr/>
+        <p:nvPr/>
+      </p:nvGrpSpPr>
+      <p:grpSpPr>
+        <a:xfrm>
+          <a:off x="0" y="0"/>
+          <a:ext cx="0" cy="0"/>
+          <a:chOff x="0" y="0"/>
+          <a:chExt cx="0" cy="0"/>
+        </a:xfrm>
+      </p:grpSpPr>
+      <p:sp>
+        <p:nvSpPr>
+          <p:cNvPr id="2" name="Title Placeholder 1"/>
+          <p:cNvSpPr>
+            <a:spLocks noGrp="1"/>
+          </p:cNvSpPr>
+          <p:nvPr>
+            <p:ph type="title"/>
+          </p:nvPr>
+        </p:nvSpPr>
+        <p:spPr>
+          <a:xfrm>
+            <a:off x="838200" y="365125"/>
+            <a:ext cx="10515600" cy="1325563"/>
+          </a:xfrm>
+          <a:prstGeom prst="rect">
+            <a:avLst/>
+          </a:prstGeom>
+        </p:spPr>
+        <p:txBody>
+          <a:bodyPr vert="horz" lIns="91440" tIns="45720" rIns="91440" bIns="45720" rtlCol="0" anchor="ctr">
+            <a:normAutofit/>
+          </a:bodyPr>
+          <a:lstStyle/>
+          <a:p>
+            <a:r>
+              <a:rPr lang="en-US" smtClean="0"/>
+              <a:t>Click to edit Master title style</a:t>
+            </a:r>
+            <a:endParaRPr lang="en-GB"/>
+          </a:p>
+        </p:txBody>
+      </p:sp>
+      <p:sp>
+        <p:nvSpPr>
+          <p:cNvPr id="3" name="Text Placeholder 2"/>
+          <p:cNvSpPr>
+            <a:spLocks noGrp="1"/>
+          </p:cNvSpPr>
+          <p:nvPr>
+            <p:ph type="body" idx="1"/>
+          </p:nvPr>
+        </p:nvSpPr>
+        <p:spPr>
+          <a:xfrm>
+            <a:off x="838200" y="1825625"/>
+            <a:ext cx="10515600" cy="4351338"/>
+          </a:xfrm>
+          <a:prstGeom prst="rect">
+            <a:avLst/>
+          </a:prstGeom>
+        </p:spPr>
+        <p:txBody>
+          <a:bodyPr vert="horz" lIns="91440" tIns="45720" rIns="91440" bIns="45720" rtlCol="0">
+            <a:normAutofit/>
+          </a:bodyPr>
+          <a:lstStyle/>
+          <a:p>
+            <a:pPr lvl="0"/>
+            <a:r>
+              <a:rPr lang="en-US" smtClean="0"/>
+              <a:t>Click to edit Master text styles</a:t>
+            </a:r>
+          </a:p>
+          <a:p>
+            <a:pPr lvl="1"/>
+            <a:r>
+              <a:rPr lang="en-US" smtClean="0"/>
+              <a:t>Second level</a:t>
+            </a:r>
+          </a:p>
+          <a:p>
+            <a:pPr lvl="2"/>
+            <a:r>
+              <a:rPr lang="en-US" smtClean="0"/>
+              <a:t>Third level</a:t>
+            </a:r>
+          </a:p>
+          <a:p>
+            <a:pPr lvl="3"/>
+            <a:r>
+              <a:rPr lang="en-US" smtClean="0"/>
+              <a:t>Fourth level</a:t>
+            </a:r>
+          </a:p>
+          <a:p>
+            <a:pPr lvl="4"/>
+            <a:r>
+              <a:rPr lang="en-US" smtClean="0"/>
+              <a:t>Fifth level</a:t>
+            </a:r>
+            <a:endParaRPr lang="en-GB"/>
+          </a:p>
+        </p:txBody>
+      </p:sp>
+      <p:sp>
+        <p:nvSpPr>
+          <p:cNvPr id="4" name="Date Placeholder 3"/>
+          <p:cNvSpPr>
+            <a:spLocks noGrp="1"/>
+          </p:cNvSpPr>
+          <p:nvPr>
+            <p:ph type="dt" sz="half" idx="2"/>
+          </p:nvPr>
+        </p:nvSpPr>
+        <p:spPr>
+          <a:xfrm>
+            <a:off x="838200" y="6356350"/>
+            <a:ext cx="2743200" cy="365125"/>
+          </a:xfrm>
+          <a:prstGeom prst="rect">
+            <a:avLst/>
+          </a:prstGeom>
+        </p:spPr>
+        <p:txBody>
+          <a:bodyPr vert="horz" lIns="91440" tIns="45720" rIns="91440" bIns="45720" rtlCol="0" anchor="ctr"/>
+          <a:lstStyle>
+            <a:lvl1pPr algn="l">
+              <a:defRPr sz="1200">
+                <a:solidFill>
+                  <a:schemeClr val="tx1">
+                    <a:tint val="75000"/>
+                  </a:schemeClr>
+                </a:solidFill>
+              </a:defRPr>
+            </a:lvl1pPr>
+          </a:lstStyle>
+          <a:p>
+            <a:fld id="{883BD084-2C06-41D0-A826-B3CA4EDA1986}" type="datetimeFigureOut">
+              <a:rPr lang="en-GB" smtClean="0"/>
+              <a:t>19/04/2017</a:t>
+            </a:fld>
+            <a:endParaRPr lang="en-GB"/>
+          </a:p>
+        </p:txBody>
+      </p:sp>
+      <p:sp>
+        <p:nvSpPr>
+          <p:cNvPr id="5" name="Footer Placeholder 4"/>
+          <p:cNvSpPr>
+            <a:spLocks noGrp="1"/>
+          </p:cNvSpPr>
+          <p:nvPr>
+            <p:ph type="ftr" sz="quarter" idx="3"/>
+          </p:nvPr>
+        </p:nvSpPr>
+        <p:spPr>
+          <a:xfrm>
+            <a:off x="4038600" y="6356350"/>
+            <a:ext cx="4114800" cy="365125"/>
+          </a:xfrm>
+          <a:prstGeom prst="rect">
+            <a:avLst/>
+          </a:prstGeom>
+        </p:spPr>
+        <p:txBody>
+          <a:bodyPr vert="horz" lIns="91440" tIns="45720" rIns="91440" bIns="45720" rtlCol="0" anchor="ctr"/>
+          <a:lstStyle>
+            <a:lvl1pPr algn="ctr">
+              <a:defRPr sz="1200">
+                <a:solidFill>
+                  <a:schemeClr val="tx1">
+                    <a:tint val="75000"/>
+                  </a:schemeClr>
+                </a:solidFill>
+              </a:defRPr>
+            </a:lvl1pPr>
+          </a:lstStyle>
+          <a:p>
+            <a:endParaRPr lang="en-GB"/>
+          </a:p>
+        </p:txBody>
+      </p:sp>
+      <p:sp>
+        <p:nvSpPr>
+          <p:cNvPr id="6" name="Slide Number Placeholder 5"/>
+          <p:cNvSpPr>
+            <a:spLocks noGrp="1"/>
+          </p:cNvSpPr>
+          <p:nvPr>
+            <p:ph type="sldNum" sz="quarter" idx="4"/>
+          </p:nvPr>
+        </p:nvSpPr>
+        <p:spPr>
+          <a:xfrm>
+            <a:off x="8610600" y="6356350"/>
+            <a:ext cx="2743200" cy="365125"/>
+          </a:xfrm>
+          <a:prstGeom prst="rect">
+            <a:avLst/>
+          </a:prstGeom>
+        </p:spPr>
+        <p:txBody>
+          <a:bodyPr vert="horz" lIns="91440" tIns="45720" rIns="91440" bIns="45720" rtlCol="0" anchor="ctr"/>
+          <a:lstStyle>
+            <a:lvl1pPr algn="r">
+              <a:defRPr sz="1200">
+                <a:solidFill>
+                  <a:schemeClr val="tx1">
+                    <a:tint val="75000"/>
+                  </a:schemeClr>
+                </a:solidFill>
+              </a:defRPr>
+            </a:lvl1pPr>
+          </a:lstStyle>
+          <a:p>
+            <a:fld id="{01EDE0BE-D2CD-4B6B-9A02-4A708E2FF965}" type="slidenum">
+              <a:rPr lang="en-GB" smtClean="0"/>
+              <a:t>‹#›</a:t>
+            </a:fld>
+            <a:endParaRPr lang="en-GB"/>
+          </a:p>
+        </p:txBody>
+      </p:sp>
+    </p:spTree>
+    <p:extLst>
+      <p:ext uri="{BB962C8B-B14F-4D97-AF65-F5344CB8AC3E}">
         <p14:creationId xmlns:p14="http://schemas.microsoft.com/office/powerpoint/2010/main" val="2246718431"/>
       </p:ext>
     </p:extLst>
@@ -7434,13 +7618,6 @@
     <p:sldLayoutId id="2147483658" r:id="rId10"/>
     <p:sldLayoutId id="2147483659" r:id="rId11"/>
   </p:sldLayoutIdLst>
-  <p:timing>
-    <p:tnLst>
-      <p:par>
-        <p:cTn id="1" dur="indefinite" restart="never" nodeType="tmRoot"/>
-      </p:par>
-    </p:tnLst>
-  </p:timing>
   <p:txStyles>
     <p:titleStyle>
       <a:lvl1pPr algn="l" defTabSz="914400" rtl="0" eaLnBrk="1" latinLnBrk="0" hangingPunct="1">
@@ -7807,7 +7984,7 @@
           <p:nvPr>
             <p:extLst>
               <p:ext uri="{D42A27DB-BD31-4B8C-83A1-F6EECF244321}">
-                <p14:modId xmlns:p14="http://schemas.microsoft.com/office/powerpoint/2010/main" val="1179448042"/>
+                <p14:modId xmlns:p14="http://schemas.microsoft.com/office/powerpoint/2010/main" val="3757438402"/>
               </p:ext>
             </p:extLst>
           </p:nvPr>
